--- a/历次研讨会文档/09-无持久存储的文件系统/马翔/任务3：顺序文件系统.pptx
+++ b/历次研讨会文档/09-无持久存储的文件系统/马翔/任务3：顺序文件系统.pptx
@@ -4447,7 +4447,6 @@
               <a:rPr lang="en-US" altLang="zh-CN" dirty="0" smtClean="0"/>
               <a:t>)</a:t>
             </a:r>
-            <a:endParaRPr lang="en-US" altLang="zh-CN" dirty="0" smtClean="0"/>
           </a:p>
           <a:p>
             <a:r>
@@ -4460,13 +4459,13 @@
             </a:r>
             <a:r>
               <a:rPr lang="zh-CN" altLang="en-US" dirty="0" smtClean="0"/>
-              <a:t>设备驱动程序</a:t>
+              <a:t>设备驱动程序开</a:t>
             </a:r>
             <a:r>
               <a:rPr lang="zh-CN" altLang="en-US" dirty="0" smtClean="0"/>
-              <a:t>开发</a:t>
-            </a:r>
-            <a:endParaRPr lang="zh-CN" altLang="en-US" dirty="0"/>
+              <a:t>发</a:t>
+            </a:r>
+            <a:endParaRPr lang="en-US" altLang="zh-CN" dirty="0" smtClean="0"/>
           </a:p>
         </p:txBody>
       </p:sp>
@@ -6236,15 +6235,7 @@
                 <a:ea typeface="Ebrima" panose="02000000000000000000" pitchFamily="2" charset="0"/>
                 <a:cs typeface="Ebrima" panose="02000000000000000000" pitchFamily="2" charset="0"/>
               </a:rPr>
-              <a:t>范围</a:t>
-            </a:r>
-            <a:r>
-              <a:rPr lang="zh-CN" altLang="en-US" dirty="0" smtClean="0">
-                <a:latin typeface="Ebrima" panose="02000000000000000000" pitchFamily="2" charset="0"/>
-                <a:ea typeface="Ebrima" panose="02000000000000000000" pitchFamily="2" charset="0"/>
-                <a:cs typeface="Ebrima" panose="02000000000000000000" pitchFamily="2" charset="0"/>
-              </a:rPr>
-              <a:t>的内容复制到用户空间相应的位置中。</a:t>
+              <a:t>范围的内容复制到用户空间相应的位置中。</a:t>
             </a:r>
             <a:endParaRPr lang="en-US" altLang="zh-CN" dirty="0" smtClean="0">
               <a:latin typeface="Ebrima" panose="02000000000000000000" pitchFamily="2" charset="0"/>
@@ -6315,15 +6306,7 @@
                 <a:ea typeface="Ebrima" panose="02000000000000000000" pitchFamily="2" charset="0"/>
                 <a:cs typeface="Ebrima" panose="02000000000000000000" pitchFamily="2" charset="0"/>
               </a:rPr>
-              <a:t>范围</a:t>
-            </a:r>
-            <a:r>
-              <a:rPr lang="zh-CN" altLang="en-US" dirty="0" smtClean="0">
-                <a:latin typeface="Ebrima" panose="02000000000000000000" pitchFamily="2" charset="0"/>
-                <a:ea typeface="Ebrima" panose="02000000000000000000" pitchFamily="2" charset="0"/>
-                <a:cs typeface="Ebrima" panose="02000000000000000000" pitchFamily="2" charset="0"/>
-              </a:rPr>
-              <a:t>的内容复制到用户空间。</a:t>
+              <a:t>范围的内容复制到用户空间。</a:t>
             </a:r>
             <a:endParaRPr lang="en-US" altLang="zh-CN" dirty="0" smtClean="0">
               <a:latin typeface="Ebrima" panose="02000000000000000000" pitchFamily="2" charset="0"/>
